--- a/ppt/api.pptx
+++ b/ppt/api.pptx
@@ -10606,7 +10606,7 @@
                 <a:cs typeface="Darker Grotesque Medium"/>
                 <a:sym typeface="Darker Grotesque Medium"/>
               </a:rPr>
-              <a:t>        return miming</a:t>
+              <a:t>        </a:t>
             </a:r>
             <a:endParaRPr lang="en-US" sz="4200" i="0" u="none" strike="noStrike" cap="none" dirty="0">
               <a:solidFill>
@@ -13108,12 +13108,12 @@
                         <a:buNone/>
                       </a:pPr>
                       <a:r>
-                        <a:rPr lang="en-US">
+                        <a:rPr lang="en-US" dirty="0">
                           <a:latin typeface="Courier New" panose="02070309020205020404" pitchFamily="49" charset="0"/>
                         </a:rPr>
                         <a:t>GET /users</a:t>
                       </a:r>
-                      <a:endParaRPr lang="en-US"/>
+                      <a:endParaRPr lang="en-US" dirty="0"/>
                     </a:p>
                   </a:txBody>
                   <a:tcPr anchor="ctr"/>
@@ -13134,10 +13134,10 @@
                         <a:buNone/>
                       </a:pPr>
                       <a:r>
-                        <a:rPr lang="en-US" b="1"/>
+                        <a:rPr lang="en-US" b="1" dirty="0"/>
                         <a:t>POST</a:t>
                       </a:r>
-                      <a:endParaRPr lang="en-US"/>
+                      <a:endParaRPr lang="en-US" dirty="0"/>
                     </a:p>
                   </a:txBody>
                   <a:tcPr anchor="ctr"/>
@@ -13167,12 +13167,12 @@
                         <a:buNone/>
                       </a:pPr>
                       <a:r>
-                        <a:rPr lang="en-US">
+                        <a:rPr lang="en-US" dirty="0">
                           <a:latin typeface="Courier New" panose="02070309020205020404" pitchFamily="49" charset="0"/>
                         </a:rPr>
                         <a:t>POST /users</a:t>
                       </a:r>
-                      <a:endParaRPr lang="en-US"/>
+                      <a:endParaRPr lang="en-US" dirty="0"/>
                     </a:p>
                   </a:txBody>
                   <a:tcPr anchor="ctr"/>
@@ -13193,10 +13193,10 @@
                         <a:buNone/>
                       </a:pPr>
                       <a:r>
-                        <a:rPr lang="en-US" b="1"/>
+                        <a:rPr lang="en-US" b="1" dirty="0"/>
                         <a:t>PUT</a:t>
                       </a:r>
-                      <a:endParaRPr lang="en-US"/>
+                      <a:endParaRPr lang="en-US" dirty="0"/>
                     </a:p>
                   </a:txBody>
                   <a:tcPr anchor="ctr"/>
@@ -13210,7 +13210,7 @@
                         <a:buNone/>
                       </a:pPr>
                       <a:r>
-                        <a:rPr lang="en-US"/>
+                        <a:rPr lang="en-US" dirty="0"/>
                         <a:t>Update/replace an existing resource</a:t>
                       </a:r>
                     </a:p>
@@ -13226,12 +13226,12 @@
                         <a:buNone/>
                       </a:pPr>
                       <a:r>
-                        <a:rPr lang="en-US">
+                        <a:rPr lang="en-US" dirty="0">
                           <a:latin typeface="Courier New" panose="02070309020205020404" pitchFamily="49" charset="0"/>
                         </a:rPr>
                         <a:t>PUT /users/123</a:t>
                       </a:r>
-                      <a:endParaRPr lang="en-US"/>
+                      <a:endParaRPr lang="en-US" dirty="0"/>
                     </a:p>
                   </a:txBody>
                   <a:tcPr anchor="ctr"/>
@@ -13252,10 +13252,10 @@
                         <a:buNone/>
                       </a:pPr>
                       <a:r>
-                        <a:rPr lang="en-US" b="1"/>
+                        <a:rPr lang="en-US" b="1" dirty="0"/>
                         <a:t>DELETE</a:t>
                       </a:r>
-                      <a:endParaRPr lang="en-US"/>
+                      <a:endParaRPr lang="en-US" dirty="0"/>
                     </a:p>
                   </a:txBody>
                   <a:tcPr anchor="ctr"/>
